--- a/Lab 4/Lab 4 bài giảng.pptx
+++ b/Lab 4/Lab 4 bài giảng.pptx
@@ -1706,7 +1706,7 @@
           <a:bodyPr/>
           <a:lstStyle/>
           <a:p>
-            <a:endParaRPr lang="en-US"/>
+            <a:endParaRPr lang="en-US" dirty="0"/>
           </a:p>
         </p:txBody>
       </p:sp>
@@ -4924,10 +4924,16 @@
               <a:buNone/>
             </a:pPr>
             <a:r>
-              <a:rPr lang="en-US" altLang="en-US">
-                <a:ea typeface="Arial" charset="0"/>
-              </a:rPr>
-              <a:t>Viết </a:t>
+              <a:rPr lang="en-US" altLang="en-US" dirty="0" err="1">
+                <a:ea typeface="Arial" charset="0"/>
+              </a:rPr>
+              <a:t>Viết</a:t>
+            </a:r>
+            <a:r>
+              <a:rPr lang="en-US" altLang="en-US" dirty="0">
+                <a:ea typeface="Arial" charset="0"/>
+              </a:rPr>
+              <a:t> </a:t>
             </a:r>
             <a:r>
               <a:rPr lang="en-US" altLang="en-US" dirty="0" err="1">
@@ -5710,654 +5716,7 @@
               <a:rPr lang="en-US" altLang="en-US" dirty="0">
                 <a:ea typeface="Arial" charset="0"/>
               </a:rPr>
-              <a:t> </a:t>
-            </a:r>
-            <a:r>
-              <a:rPr lang="en-US" altLang="en-US" dirty="0" err="1">
-                <a:ea typeface="Arial" charset="0"/>
-              </a:rPr>
-              <a:t>bằng</a:t>
-            </a:r>
-            <a:r>
-              <a:rPr lang="en-US" altLang="en-US" dirty="0">
-                <a:ea typeface="Arial" charset="0"/>
-              </a:rPr>
-              <a:t> </a:t>
-            </a:r>
-            <a:r>
-              <a:rPr lang="en-US" altLang="en-US" dirty="0" err="1">
-                <a:ea typeface="Arial" charset="0"/>
-              </a:rPr>
-              <a:t>cách</a:t>
-            </a:r>
-            <a:r>
-              <a:rPr lang="en-US" altLang="en-US" dirty="0">
-                <a:ea typeface="Arial" charset="0"/>
-              </a:rPr>
-              <a:t> </a:t>
-            </a:r>
-            <a:r>
-              <a:rPr lang="en-US" altLang="en-US" dirty="0" err="1">
-                <a:ea typeface="Arial" charset="0"/>
-              </a:rPr>
-              <a:t>liên</a:t>
-            </a:r>
-            <a:r>
-              <a:rPr lang="en-US" altLang="en-US" dirty="0">
-                <a:ea typeface="Arial" charset="0"/>
-              </a:rPr>
-              <a:t> </a:t>
-            </a:r>
-            <a:r>
-              <a:rPr lang="en-US" altLang="en-US" dirty="0" err="1">
-                <a:ea typeface="Arial" charset="0"/>
-              </a:rPr>
-              <a:t>tiếp</a:t>
-            </a:r>
-            <a:r>
-              <a:rPr lang="en-US" altLang="en-US" dirty="0">
-                <a:ea typeface="Arial" charset="0"/>
-              </a:rPr>
-              <a:t> </a:t>
-            </a:r>
-            <a:r>
-              <a:rPr lang="en-US" altLang="en-US" dirty="0" err="1">
-                <a:ea typeface="Arial" charset="0"/>
-              </a:rPr>
-              <a:t>lấy</a:t>
-            </a:r>
-            <a:r>
-              <a:rPr lang="en-US" altLang="en-US" dirty="0">
-                <a:ea typeface="Arial" charset="0"/>
-              </a:rPr>
-              <a:t> </a:t>
-            </a:r>
-            <a:r>
-              <a:rPr lang="en-US" altLang="en-US" dirty="0" err="1">
-                <a:ea typeface="Arial" charset="0"/>
-              </a:rPr>
-              <a:t>số</a:t>
-            </a:r>
-            <a:r>
-              <a:rPr lang="en-US" altLang="en-US" dirty="0">
-                <a:ea typeface="Arial" charset="0"/>
-              </a:rPr>
-              <a:t> </a:t>
-            </a:r>
-            <a:r>
-              <a:rPr lang="en-US" altLang="en-US" dirty="0" err="1">
-                <a:ea typeface="Arial" charset="0"/>
-              </a:rPr>
-              <a:t>lớn</a:t>
-            </a:r>
-            <a:r>
-              <a:rPr lang="en-US" altLang="en-US" dirty="0">
-                <a:ea typeface="Arial" charset="0"/>
-              </a:rPr>
-              <a:t> </a:t>
-            </a:r>
-            <a:r>
-              <a:rPr lang="en-US" altLang="en-US" dirty="0" err="1">
-                <a:ea typeface="Arial" charset="0"/>
-              </a:rPr>
-              <a:t>trừ</a:t>
-            </a:r>
-            <a:r>
-              <a:rPr lang="en-US" altLang="en-US" dirty="0">
-                <a:ea typeface="Arial" charset="0"/>
-              </a:rPr>
-              <a:t> </a:t>
-            </a:r>
-            <a:r>
-              <a:rPr lang="en-US" altLang="en-US" dirty="0" err="1">
-                <a:ea typeface="Arial" charset="0"/>
-              </a:rPr>
-              <a:t>đi</a:t>
-            </a:r>
-            <a:r>
-              <a:rPr lang="en-US" altLang="en-US" dirty="0">
-                <a:ea typeface="Arial" charset="0"/>
-              </a:rPr>
-              <a:t> </a:t>
-            </a:r>
-            <a:r>
-              <a:rPr lang="en-US" altLang="en-US" dirty="0" err="1">
-                <a:ea typeface="Arial" charset="0"/>
-              </a:rPr>
-              <a:t>số</a:t>
-            </a:r>
-            <a:r>
-              <a:rPr lang="en-US" altLang="en-US" dirty="0">
-                <a:ea typeface="Arial" charset="0"/>
-              </a:rPr>
-              <a:t> </a:t>
-            </a:r>
-            <a:r>
-              <a:rPr lang="en-US" altLang="en-US" dirty="0" err="1">
-                <a:ea typeface="Arial" charset="0"/>
-              </a:rPr>
-              <a:t>nhỏ</a:t>
-            </a:r>
-            <a:r>
-              <a:rPr lang="en-US" altLang="en-US" dirty="0">
-                <a:ea typeface="Arial" charset="0"/>
-              </a:rPr>
-              <a:t>, </a:t>
-            </a:r>
-            <a:r>
-              <a:rPr lang="en-US" altLang="en-US" dirty="0" err="1">
-                <a:ea typeface="Arial" charset="0"/>
-              </a:rPr>
-              <a:t>khi</a:t>
-            </a:r>
-            <a:r>
-              <a:rPr lang="en-US" altLang="en-US" dirty="0">
-                <a:ea typeface="Arial" charset="0"/>
-              </a:rPr>
-              <a:t> </a:t>
-            </a:r>
-            <a:r>
-              <a:rPr lang="en-US" altLang="en-US" dirty="0" err="1">
-                <a:ea typeface="Arial" charset="0"/>
-              </a:rPr>
-              <a:t>nào</a:t>
-            </a:r>
-            <a:r>
-              <a:rPr lang="en-US" altLang="en-US" dirty="0">
-                <a:ea typeface="Arial" charset="0"/>
-              </a:rPr>
-              <a:t> 2 </a:t>
-            </a:r>
-            <a:r>
-              <a:rPr lang="en-US" altLang="en-US" dirty="0" err="1">
-                <a:ea typeface="Arial" charset="0"/>
-              </a:rPr>
-              <a:t>số</a:t>
-            </a:r>
-            <a:r>
-              <a:rPr lang="en-US" altLang="en-US" dirty="0">
-                <a:ea typeface="Arial" charset="0"/>
-              </a:rPr>
-              <a:t> </a:t>
-            </a:r>
-            <a:r>
-              <a:rPr lang="en-US" altLang="en-US" dirty="0" err="1">
-                <a:ea typeface="Arial" charset="0"/>
-              </a:rPr>
-              <a:t>bằng</a:t>
-            </a:r>
-            <a:r>
-              <a:rPr lang="en-US" altLang="en-US" dirty="0">
-                <a:ea typeface="Arial" charset="0"/>
-              </a:rPr>
-              <a:t> </a:t>
-            </a:r>
-            <a:r>
-              <a:rPr lang="en-US" altLang="en-US" dirty="0" err="1">
-                <a:ea typeface="Arial" charset="0"/>
-              </a:rPr>
-              <a:t>nhau</a:t>
-            </a:r>
-            <a:r>
-              <a:rPr lang="en-US" altLang="en-US" dirty="0">
-                <a:ea typeface="Arial" charset="0"/>
-              </a:rPr>
-              <a:t> </a:t>
-            </a:r>
-            <a:r>
-              <a:rPr lang="en-US" altLang="en-US" dirty="0" err="1">
-                <a:ea typeface="Arial" charset="0"/>
-              </a:rPr>
-              <a:t>thì</a:t>
-            </a:r>
-            <a:r>
-              <a:rPr lang="en-US" altLang="en-US" dirty="0">
-                <a:ea typeface="Arial" charset="0"/>
-              </a:rPr>
-              <a:t> </a:t>
-            </a:r>
-            <a:r>
-              <a:rPr lang="en-US" altLang="en-US" dirty="0" err="1">
-                <a:ea typeface="Arial" charset="0"/>
-              </a:rPr>
-              <a:t>đó</a:t>
-            </a:r>
-            <a:r>
-              <a:rPr lang="en-US" altLang="en-US" dirty="0">
-                <a:ea typeface="Arial" charset="0"/>
-              </a:rPr>
-              <a:t> </a:t>
-            </a:r>
-            <a:r>
-              <a:rPr lang="en-US" altLang="en-US" dirty="0" err="1">
-                <a:ea typeface="Arial" charset="0"/>
-              </a:rPr>
-              <a:t>là</a:t>
-            </a:r>
-            <a:r>
-              <a:rPr lang="en-US" altLang="en-US" dirty="0">
-                <a:ea typeface="Arial" charset="0"/>
-              </a:rPr>
-              <a:t> UCLN</a:t>
-            </a:r>
-          </a:p>
-          <a:p>
-            <a:pPr marL="0" indent="0">
-              <a:spcBef>
-                <a:spcPts val="725"/>
-              </a:spcBef>
-              <a:spcAft>
-                <a:spcPts val="725"/>
-              </a:spcAft>
-              <a:buNone/>
-            </a:pPr>
-            <a:r>
-              <a:rPr lang="en-US" altLang="en-US" dirty="0" err="1">
-                <a:ea typeface="Arial" charset="0"/>
-              </a:rPr>
-              <a:t>Trong</a:t>
-            </a:r>
-            <a:r>
-              <a:rPr lang="en-US" altLang="en-US" dirty="0">
-                <a:ea typeface="Arial" charset="0"/>
-              </a:rPr>
-              <a:t> </a:t>
-            </a:r>
-            <a:r>
-              <a:rPr lang="en-US" altLang="en-US" dirty="0" err="1">
-                <a:ea typeface="Arial" charset="0"/>
-              </a:rPr>
-              <a:t>chương</a:t>
-            </a:r>
-            <a:r>
-              <a:rPr lang="en-US" altLang="en-US" dirty="0">
-                <a:ea typeface="Arial" charset="0"/>
-              </a:rPr>
-              <a:t> </a:t>
-            </a:r>
-            <a:r>
-              <a:rPr lang="en-US" altLang="en-US" dirty="0" err="1">
-                <a:ea typeface="Arial" charset="0"/>
-              </a:rPr>
-              <a:t>trình</a:t>
-            </a:r>
-            <a:r>
-              <a:rPr lang="en-US" altLang="en-US" dirty="0">
-                <a:ea typeface="Arial" charset="0"/>
-              </a:rPr>
-              <a:t>, ta </a:t>
-            </a:r>
-            <a:r>
-              <a:rPr lang="en-US" altLang="en-US" dirty="0" err="1">
-                <a:ea typeface="Arial" charset="0"/>
-              </a:rPr>
-              <a:t>quy</a:t>
-            </a:r>
-            <a:r>
-              <a:rPr lang="en-US" altLang="en-US" dirty="0">
-                <a:ea typeface="Arial" charset="0"/>
-              </a:rPr>
-              <a:t> </a:t>
-            </a:r>
-            <a:r>
-              <a:rPr lang="en-US" altLang="en-US" dirty="0" err="1">
-                <a:ea typeface="Arial" charset="0"/>
-              </a:rPr>
-              <a:t>ước</a:t>
-            </a:r>
-            <a:r>
-              <a:rPr lang="en-US" altLang="en-US" dirty="0">
-                <a:ea typeface="Arial" charset="0"/>
-              </a:rPr>
-              <a:t> m </a:t>
-            </a:r>
-            <a:r>
-              <a:rPr lang="en-US" altLang="en-US" dirty="0" err="1">
-                <a:ea typeface="Arial" charset="0"/>
-              </a:rPr>
-              <a:t>là</a:t>
-            </a:r>
-            <a:r>
-              <a:rPr lang="en-US" altLang="en-US" dirty="0">
-                <a:ea typeface="Arial" charset="0"/>
-              </a:rPr>
-              <a:t> </a:t>
-            </a:r>
-            <a:r>
-              <a:rPr lang="en-US" altLang="en-US" dirty="0" err="1">
-                <a:ea typeface="Arial" charset="0"/>
-              </a:rPr>
-              <a:t>số</a:t>
-            </a:r>
-            <a:r>
-              <a:rPr lang="en-US" altLang="en-US" dirty="0">
-                <a:ea typeface="Arial" charset="0"/>
-              </a:rPr>
-              <a:t> </a:t>
-            </a:r>
-            <a:r>
-              <a:rPr lang="en-US" altLang="en-US" dirty="0" err="1">
-                <a:ea typeface="Arial" charset="0"/>
-              </a:rPr>
-              <a:t>lớn</a:t>
-            </a:r>
-            <a:r>
-              <a:rPr lang="en-US" altLang="en-US" dirty="0">
-                <a:ea typeface="Arial" charset="0"/>
-              </a:rPr>
-              <a:t> </a:t>
-            </a:r>
-            <a:r>
-              <a:rPr lang="en-US" altLang="en-US" dirty="0" err="1">
-                <a:ea typeface="Arial" charset="0"/>
-              </a:rPr>
-              <a:t>và</a:t>
-            </a:r>
-            <a:r>
-              <a:rPr lang="en-US" altLang="en-US" dirty="0">
-                <a:ea typeface="Arial" charset="0"/>
-              </a:rPr>
-              <a:t> n </a:t>
-            </a:r>
-            <a:r>
-              <a:rPr lang="en-US" altLang="en-US" dirty="0" err="1">
-                <a:ea typeface="Arial" charset="0"/>
-              </a:rPr>
-              <a:t>là</a:t>
-            </a:r>
-            <a:r>
-              <a:rPr lang="en-US" altLang="en-US" dirty="0">
-                <a:ea typeface="Arial" charset="0"/>
-              </a:rPr>
-              <a:t> </a:t>
-            </a:r>
-            <a:r>
-              <a:rPr lang="en-US" altLang="en-US" dirty="0" err="1">
-                <a:ea typeface="Arial" charset="0"/>
-              </a:rPr>
-              <a:t>số</a:t>
-            </a:r>
-            <a:r>
-              <a:rPr lang="en-US" altLang="en-US" dirty="0">
-                <a:ea typeface="Arial" charset="0"/>
-              </a:rPr>
-              <a:t> </a:t>
-            </a:r>
-            <a:r>
-              <a:rPr lang="en-US" altLang="en-US" dirty="0" err="1">
-                <a:ea typeface="Arial" charset="0"/>
-              </a:rPr>
-              <a:t>nhỏ</a:t>
-            </a:r>
-            <a:r>
-              <a:rPr lang="en-US" altLang="en-US" dirty="0">
-                <a:ea typeface="Arial" charset="0"/>
-              </a:rPr>
-              <a:t>. </a:t>
-            </a:r>
-            <a:r>
-              <a:rPr lang="en-US" altLang="en-US" dirty="0" err="1">
-                <a:ea typeface="Arial" charset="0"/>
-              </a:rPr>
-              <a:t>Thêm</a:t>
-            </a:r>
-            <a:r>
-              <a:rPr lang="en-US" altLang="en-US" dirty="0">
-                <a:ea typeface="Arial" charset="0"/>
-              </a:rPr>
-              <a:t> </a:t>
-            </a:r>
-            <a:r>
-              <a:rPr lang="en-US" altLang="en-US" dirty="0" err="1">
-                <a:ea typeface="Arial" charset="0"/>
-              </a:rPr>
-              <a:t>biến</a:t>
-            </a:r>
-            <a:r>
-              <a:rPr lang="en-US" altLang="en-US" dirty="0">
-                <a:ea typeface="Arial" charset="0"/>
-              </a:rPr>
-              <a:t> </a:t>
-            </a:r>
-            <a:r>
-              <a:rPr lang="en-US" altLang="en-US" dirty="0" err="1">
-                <a:ea typeface="Arial" charset="0"/>
-              </a:rPr>
-              <a:t>phụ</a:t>
-            </a:r>
-            <a:r>
-              <a:rPr lang="en-US" altLang="en-US" dirty="0">
-                <a:ea typeface="Arial" charset="0"/>
-              </a:rPr>
-              <a:t> r </a:t>
-            </a:r>
-            <a:r>
-              <a:rPr lang="en-US" altLang="en-US" dirty="0" err="1">
-                <a:ea typeface="Arial" charset="0"/>
-              </a:rPr>
-              <a:t>để</a:t>
-            </a:r>
-            <a:r>
-              <a:rPr lang="en-US" altLang="en-US" dirty="0">
-                <a:ea typeface="Arial" charset="0"/>
-              </a:rPr>
-              <a:t> </a:t>
-            </a:r>
-            <a:r>
-              <a:rPr lang="en-US" altLang="en-US" dirty="0" err="1">
-                <a:ea typeface="Arial" charset="0"/>
-              </a:rPr>
-              <a:t>tính</a:t>
-            </a:r>
-            <a:r>
-              <a:rPr lang="en-US" altLang="en-US" dirty="0">
-                <a:ea typeface="Arial" charset="0"/>
-              </a:rPr>
-              <a:t> </a:t>
-            </a:r>
-            <a:r>
-              <a:rPr lang="en-US" altLang="en-US" dirty="0" err="1">
-                <a:ea typeface="Arial" charset="0"/>
-              </a:rPr>
-              <a:t>hiệu</a:t>
-            </a:r>
-            <a:r>
-              <a:rPr lang="en-US" altLang="en-US" dirty="0">
-                <a:ea typeface="Arial" charset="0"/>
-              </a:rPr>
-              <a:t> </a:t>
-            </a:r>
-            <a:r>
-              <a:rPr lang="en-US" altLang="en-US" dirty="0" err="1">
-                <a:ea typeface="Arial" charset="0"/>
-              </a:rPr>
-              <a:t>của</a:t>
-            </a:r>
-            <a:r>
-              <a:rPr lang="en-US" altLang="en-US" dirty="0">
-                <a:ea typeface="Arial" charset="0"/>
-              </a:rPr>
-              <a:t> 2 </a:t>
-            </a:r>
-            <a:r>
-              <a:rPr lang="en-US" altLang="en-US" dirty="0" err="1">
-                <a:ea typeface="Arial" charset="0"/>
-              </a:rPr>
-              <a:t>số</a:t>
-            </a:r>
-            <a:r>
-              <a:rPr lang="en-US" altLang="en-US" dirty="0">
-                <a:ea typeface="Arial" charset="0"/>
-              </a:rPr>
-              <a:t>. Sau </a:t>
-            </a:r>
-            <a:r>
-              <a:rPr lang="en-US" altLang="en-US" dirty="0" err="1">
-                <a:ea typeface="Arial" charset="0"/>
-              </a:rPr>
-              <a:t>đó</a:t>
-            </a:r>
-            <a:r>
-              <a:rPr lang="en-US" altLang="en-US" dirty="0">
-                <a:ea typeface="Arial" charset="0"/>
-              </a:rPr>
-              <a:t> </a:t>
-            </a:r>
-            <a:r>
-              <a:rPr lang="en-US" altLang="en-US" dirty="0" err="1">
-                <a:ea typeface="Arial" charset="0"/>
-              </a:rPr>
-              <a:t>đặt</a:t>
-            </a:r>
-            <a:r>
-              <a:rPr lang="en-US" altLang="en-US" dirty="0">
-                <a:ea typeface="Arial" charset="0"/>
-              </a:rPr>
-              <a:t> </a:t>
-            </a:r>
-            <a:r>
-              <a:rPr lang="en-US" altLang="en-US" dirty="0" err="1">
-                <a:ea typeface="Arial" charset="0"/>
-              </a:rPr>
-              <a:t>lại</a:t>
-            </a:r>
-            <a:r>
-              <a:rPr lang="en-US" altLang="en-US" dirty="0">
-                <a:ea typeface="Arial" charset="0"/>
-              </a:rPr>
-              <a:t> m </a:t>
-            </a:r>
-            <a:r>
-              <a:rPr lang="en-US" altLang="en-US" dirty="0" err="1">
-                <a:ea typeface="Arial" charset="0"/>
-              </a:rPr>
-              <a:t>hoặc</a:t>
-            </a:r>
-            <a:r>
-              <a:rPr lang="en-US" altLang="en-US" dirty="0">
-                <a:ea typeface="Arial" charset="0"/>
-              </a:rPr>
-              <a:t> n </a:t>
-            </a:r>
-            <a:r>
-              <a:rPr lang="en-US" altLang="en-US" dirty="0" err="1">
-                <a:ea typeface="Arial" charset="0"/>
-              </a:rPr>
-              <a:t>bằng</a:t>
-            </a:r>
-            <a:r>
-              <a:rPr lang="en-US" altLang="en-US" dirty="0">
-                <a:ea typeface="Arial" charset="0"/>
-              </a:rPr>
-              <a:t> r </a:t>
-            </a:r>
-            <a:r>
-              <a:rPr lang="en-US" altLang="en-US" dirty="0" err="1">
-                <a:ea typeface="Arial" charset="0"/>
-              </a:rPr>
-              <a:t>sao</a:t>
-            </a:r>
-            <a:r>
-              <a:rPr lang="en-US" altLang="en-US" dirty="0">
-                <a:ea typeface="Arial" charset="0"/>
-              </a:rPr>
-              <a:t> </a:t>
-            </a:r>
-            <a:r>
-              <a:rPr lang="en-US" altLang="en-US" dirty="0" err="1">
-                <a:ea typeface="Arial" charset="0"/>
-              </a:rPr>
-              <a:t>cho</a:t>
-            </a:r>
-            <a:r>
-              <a:rPr lang="en-US" altLang="en-US" dirty="0">
-                <a:ea typeface="Arial" charset="0"/>
-              </a:rPr>
-              <a:t> m &gt; n </a:t>
-            </a:r>
-            <a:r>
-              <a:rPr lang="en-US" altLang="en-US" dirty="0" err="1">
-                <a:ea typeface="Arial" charset="0"/>
-              </a:rPr>
-              <a:t>và</a:t>
-            </a:r>
-            <a:r>
-              <a:rPr lang="en-US" altLang="en-US" dirty="0">
-                <a:ea typeface="Arial" charset="0"/>
-              </a:rPr>
-              <a:t> </a:t>
-            </a:r>
-            <a:r>
-              <a:rPr lang="en-US" altLang="en-US" dirty="0" err="1">
-                <a:ea typeface="Arial" charset="0"/>
-              </a:rPr>
-              <a:t>lặp</a:t>
-            </a:r>
-            <a:r>
-              <a:rPr lang="en-US" altLang="en-US" dirty="0">
-                <a:ea typeface="Arial" charset="0"/>
-              </a:rPr>
-              <a:t> </a:t>
-            </a:r>
-            <a:r>
-              <a:rPr lang="en-US" altLang="en-US" dirty="0" err="1">
-                <a:ea typeface="Arial" charset="0"/>
-              </a:rPr>
-              <a:t>lại</a:t>
-            </a:r>
-            <a:r>
-              <a:rPr lang="en-US" altLang="en-US" dirty="0">
-                <a:ea typeface="Arial" charset="0"/>
-              </a:rPr>
-              <a:t>. </a:t>
-            </a:r>
-            <a:r>
-              <a:rPr lang="en-US" altLang="en-US" dirty="0" err="1">
-                <a:ea typeface="Arial" charset="0"/>
-              </a:rPr>
-              <a:t>Vòng</a:t>
-            </a:r>
-            <a:r>
-              <a:rPr lang="en-US" altLang="en-US" dirty="0">
-                <a:ea typeface="Arial" charset="0"/>
-              </a:rPr>
-              <a:t> </a:t>
-            </a:r>
-            <a:r>
-              <a:rPr lang="en-US" altLang="en-US" dirty="0" err="1">
-                <a:ea typeface="Arial" charset="0"/>
-              </a:rPr>
-              <a:t>lặp</a:t>
-            </a:r>
-            <a:r>
-              <a:rPr lang="en-US" altLang="en-US" dirty="0">
-                <a:ea typeface="Arial" charset="0"/>
-              </a:rPr>
-              <a:t> </a:t>
-            </a:r>
-            <a:r>
-              <a:rPr lang="en-US" altLang="en-US" dirty="0" err="1">
-                <a:ea typeface="Arial" charset="0"/>
-              </a:rPr>
-              <a:t>dừng</a:t>
-            </a:r>
-            <a:r>
-              <a:rPr lang="en-US" altLang="en-US" dirty="0">
-                <a:ea typeface="Arial" charset="0"/>
-              </a:rPr>
-              <a:t> </a:t>
-            </a:r>
-            <a:r>
-              <a:rPr lang="en-US" altLang="en-US" dirty="0" err="1">
-                <a:ea typeface="Arial" charset="0"/>
-              </a:rPr>
-              <a:t>khi</a:t>
-            </a:r>
-            <a:r>
-              <a:rPr lang="en-US" altLang="en-US" dirty="0">
-                <a:ea typeface="Arial" charset="0"/>
-              </a:rPr>
-              <a:t> m = n</a:t>
+              <a:t>.</a:t>
             </a:r>
           </a:p>
         </p:txBody>
@@ -7614,7 +6973,7 @@
               <a:rPr lang="en-US" altLang="en-US" dirty="0">
                 <a:ea typeface="Arial" charset="0"/>
               </a:rPr>
-              <a:t> n </a:t>
+              <a:t> </a:t>
             </a:r>
             <a:r>
               <a:rPr lang="en-US" altLang="en-US" dirty="0" err="1">
@@ -7626,19 +6985,7 @@
               <a:rPr lang="en-US" altLang="en-US" dirty="0">
                 <a:ea typeface="Arial" charset="0"/>
               </a:rPr>
-              <a:t> </a:t>
-            </a:r>
-            <a:r>
-              <a:rPr lang="en-US" altLang="en-US" dirty="0" err="1">
-                <a:ea typeface="Arial" charset="0"/>
-              </a:rPr>
-              <a:t>dương</a:t>
-            </a:r>
-            <a:r>
-              <a:rPr lang="en-US" altLang="en-US" dirty="0">
-                <a:ea typeface="Arial" charset="0"/>
-              </a:rPr>
-              <a:t>. </a:t>
+              <a:t> n. </a:t>
             </a:r>
             <a:r>
               <a:rPr lang="en-US" altLang="en-US" dirty="0" err="1">
@@ -7802,9 +7149,12 @@
               </a:rPr>
               <a:t>âm</a:t>
             </a:r>
-            <a:endParaRPr lang="en-US" altLang="en-US" dirty="0">
-              <a:ea typeface="Arial" charset="0"/>
-            </a:endParaRPr>
+            <a:r>
+              <a:rPr lang="en-US" altLang="en-US" dirty="0">
+                <a:ea typeface="Arial" charset="0"/>
+              </a:rPr>
+              <a:t>.</a:t>
+            </a:r>
           </a:p>
         </p:txBody>
       </p:sp>
@@ -8500,7 +7850,7 @@
               <a:rPr lang="en-US" altLang="en-US" dirty="0">
                 <a:ea typeface="Arial" charset="0"/>
               </a:rPr>
-              <a:t>  (</a:t>
+              <a:t> (</a:t>
             </a:r>
             <a:r>
               <a:rPr lang="en-US" altLang="en-US" dirty="0" err="1">
@@ -13874,7 +13224,7 @@
                 <a:latin typeface="Arial" panose="020B0604020202020204" pitchFamily="34" charset="0"/>
                 <a:cs typeface="Arial" panose="020B0604020202020204" pitchFamily="34" charset="0"/>
               </a:rPr>
-              <a:t>2.5</a:t>
+              <a:t>4.5</a:t>
             </a:r>
           </a:p>
         </p:txBody>
@@ -15397,7 +14747,7 @@
           <a:graphicData uri="http://schemas.openxmlformats.org/presentationml/2006/ole">
             <mc:AlternateContent xmlns:mc="http://schemas.openxmlformats.org/markup-compatibility/2006">
               <mc:Choice xmlns:v="urn:schemas-microsoft-com:vml" Requires="v">
-                <p:oleObj spid="_x0000_s6176" name="Equation" r:id="rId3" imgW="2425680" imgH="520560" progId="Equation.DSMT4">
+                <p:oleObj spid="_x0000_s6197" name="Equation" r:id="rId3" imgW="2425680" imgH="520560" progId="Equation.DSMT4">
                   <p:embed/>
                 </p:oleObj>
               </mc:Choice>
@@ -15460,7 +14810,7 @@
           <a:graphicData uri="http://schemas.openxmlformats.org/presentationml/2006/ole">
             <mc:AlternateContent xmlns:mc="http://schemas.openxmlformats.org/markup-compatibility/2006">
               <mc:Choice xmlns:v="urn:schemas-microsoft-com:vml" Requires="v">
-                <p:oleObj spid="_x0000_s6177" name="Equation" r:id="rId5" imgW="2247840" imgH="507960" progId="Equation.DSMT4">
+                <p:oleObj spid="_x0000_s6198" name="Equation" r:id="rId5" imgW="2247840" imgH="507960" progId="Equation.DSMT4">
                   <p:embed/>
                 </p:oleObj>
               </mc:Choice>
@@ -15523,7 +14873,7 @@
           <a:graphicData uri="http://schemas.openxmlformats.org/presentationml/2006/ole">
             <mc:AlternateContent xmlns:mc="http://schemas.openxmlformats.org/markup-compatibility/2006">
               <mc:Choice xmlns:v="urn:schemas-microsoft-com:vml" Requires="v">
-                <p:oleObj spid="_x0000_s6178" name="Equation" r:id="rId7" imgW="2425680" imgH="482400" progId="Equation.DSMT4">
+                <p:oleObj spid="_x0000_s6199" name="Equation" r:id="rId7" imgW="2425680" imgH="482400" progId="Equation.DSMT4">
                   <p:embed/>
                 </p:oleObj>
               </mc:Choice>
@@ -21782,8 +21132,8 @@
         </p:nvSpPr>
         <p:spPr>
           <a:xfrm>
-            <a:off x="392626" y="1644241"/>
-            <a:ext cx="11406748" cy="5137559"/>
+            <a:off x="392626" y="1295401"/>
+            <a:ext cx="11406748" cy="5486400"/>
           </a:xfrm>
         </p:spPr>
         <p:txBody>
@@ -21807,8 +21157,12 @@
               <a:t>			</a:t>
             </a:r>
             <a:r>
+              <a:rPr lang="vi-VN" altLang="en-US" b="1" dirty="0"/>
+              <a:t>while </a:t>
+            </a:r>
+            <a:r>
               <a:rPr lang="vi-VN" altLang="en-US" dirty="0"/>
-              <a:t>while điều_kiện:</a:t>
+              <a:t>điều_kiện:</a:t>
             </a:r>
           </a:p>
           <a:p>
@@ -21837,7 +21191,7 @@
               <a:t>			</a:t>
             </a:r>
             <a:r>
-              <a:rPr lang="vi-VN" altLang="en-US" dirty="0"/>
+              <a:rPr lang="vi-VN" altLang="en-US" b="1" dirty="0"/>
               <a:t>else:</a:t>
             </a:r>
           </a:p>
@@ -21890,7 +21244,15 @@
             </a:r>
             <a:r>
               <a:rPr lang="vi-VN" altLang="en-US" dirty="0"/>
-              <a:t>hần else trong vòng lặp while không phải là một điều kiện thay thế cho vòng lặp. Nó chỉ chạy khi vòng lặp kết thúc mà không có lệnh break nào được thực hiện trong vòng lặp.</a:t>
+              <a:t>hần else trong vòng lặp while </a:t>
+            </a:r>
+            <a:r>
+              <a:rPr lang="vi-VN" altLang="en-US" b="1" dirty="0"/>
+              <a:t>không phải là một điều kiện thay thế </a:t>
+            </a:r>
+            <a:r>
+              <a:rPr lang="vi-VN" altLang="en-US" dirty="0"/>
+              <a:t>cho vòng lặp. Nó chỉ chạy khi vòng lặp kết thúc mà không có lệnh break nào được thực hiện trong vòng lặp.</a:t>
             </a:r>
             <a:endParaRPr lang="en-US" altLang="en-US" dirty="0"/>
           </a:p>
@@ -22942,8 +22304,8 @@
         </p:nvSpPr>
         <p:spPr>
           <a:xfrm>
-            <a:off x="392626" y="1644241"/>
-            <a:ext cx="11406748" cy="4680359"/>
+            <a:off x="392626" y="1507717"/>
+            <a:ext cx="11406748" cy="4816884"/>
           </a:xfrm>
         </p:spPr>
         <p:txBody>
@@ -22975,7 +22337,15 @@
             </a:r>
             <a:r>
               <a:rPr lang="vi-VN" altLang="en-US" dirty="0"/>
-              <a:t>được sử dụng để thoát khỏi vòng lặp ngay lập tức và tiếp tục thực hiện các câu lệnh sau vòng lặp.</a:t>
+              <a:t>được sử dụng để thoát khỏi vòng lặp </a:t>
+            </a:r>
+            <a:r>
+              <a:rPr lang="vi-VN" altLang="en-US" b="1" dirty="0"/>
+              <a:t>ngay lập tức </a:t>
+            </a:r>
+            <a:r>
+              <a:rPr lang="vi-VN" altLang="en-US" dirty="0"/>
+              <a:t>và tiếp tục thực hiện các câu lệnh sau vòng lặp.</a:t>
             </a:r>
           </a:p>
           <a:p>
